--- a/Presentations/Milestone 1 ML Lab WS 20_21.pptx
+++ b/Presentations/Milestone 1 ML Lab WS 20_21.pptx
@@ -12430,6 +12430,101 @@
         </p:nvGrpSpPr>
         <p:grpSpPr>
           <a:xfrm>
+            <a:off x="5751937" y="2924174"/>
+            <a:ext cx="3172800" cy="2071006"/>
+            <a:chOff x="5751937" y="2924174"/>
+            <a:chExt cx="3172800" cy="2071006"/>
+          </a:xfrm>
+        </p:grpSpPr>
+        <p:sp>
+          <p:nvSpPr>
+            <p:cNvPr id="114" name="Google Shape;114;p15"/>
+            <p:cNvSpPr txBox="1"/>
+            <p:nvPr/>
+          </p:nvSpPr>
+          <p:spPr>
+            <a:xfrm>
+              <a:off x="5751937" y="4636380"/>
+              <a:ext cx="3172800" cy="358800"/>
+            </a:xfrm>
+            <a:prstGeom prst="rect">
+              <a:avLst/>
+            </a:prstGeom>
+            <a:noFill/>
+            <a:ln>
+              <a:noFill/>
+            </a:ln>
+          </p:spPr>
+          <p:txBody>
+            <a:bodyPr anchorCtr="0" anchor="t" bIns="91425" lIns="91425" spcFirstLastPara="1" rIns="91425" wrap="square" tIns="91425">
+              <a:noAutofit/>
+            </a:bodyPr>
+            <a:lstStyle/>
+            <a:p>
+              <a:pPr indent="0" lvl="0" marL="0" rtl="0" algn="l">
+                <a:spcBef>
+                  <a:spcPts val="0"/>
+                </a:spcBef>
+                <a:spcAft>
+                  <a:spcPts val="0"/>
+                </a:spcAft>
+                <a:buNone/>
+              </a:pPr>
+              <a:r>
+                <a:rPr lang="fr">
+                  <a:latin typeface="Libre Franklin"/>
+                  <a:ea typeface="Libre Franklin"/>
+                  <a:cs typeface="Libre Franklin"/>
+                  <a:sym typeface="Libre Franklin"/>
+                </a:rPr>
+                <a:t>Dominican Republic, Cabritos Island</a:t>
+              </a:r>
+              <a:endParaRPr>
+                <a:latin typeface="Libre Franklin"/>
+                <a:ea typeface="Libre Franklin"/>
+                <a:cs typeface="Libre Franklin"/>
+                <a:sym typeface="Libre Franklin"/>
+              </a:endParaRPr>
+            </a:p>
+          </p:txBody>
+        </p:sp>
+        <p:pic>
+          <p:nvPicPr>
+            <p:cNvPr id="115" name="Google Shape;115;p15"/>
+            <p:cNvPicPr preferRelativeResize="0"/>
+            <p:nvPr/>
+          </p:nvPicPr>
+          <p:blipFill>
+            <a:blip r:embed="rId4">
+              <a:alphaModFix/>
+            </a:blip>
+            <a:stretch>
+              <a:fillRect/>
+            </a:stretch>
+          </p:blipFill>
+          <p:spPr>
+            <a:xfrm>
+              <a:off x="5813599" y="2924174"/>
+              <a:ext cx="3049437" cy="1712200"/>
+            </a:xfrm>
+            <a:prstGeom prst="rect">
+              <a:avLst/>
+            </a:prstGeom>
+            <a:noFill/>
+            <a:ln>
+              <a:noFill/>
+            </a:ln>
+          </p:spPr>
+        </p:pic>
+      </p:grpSp>
+      <p:grpSp>
+        <p:nvGrpSpPr>
+          <p:cNvPr id="116" name="Google Shape;116;p15"/>
+          <p:cNvGrpSpPr/>
+          <p:nvPr/>
+        </p:nvGrpSpPr>
+        <p:grpSpPr>
+          <a:xfrm>
             <a:off x="3179495" y="2924163"/>
             <a:ext cx="2533948" cy="2070993"/>
             <a:chOff x="3179500" y="2771699"/>
@@ -12438,7 +12533,7 @@
         </p:grpSpPr>
         <p:sp>
           <p:nvSpPr>
-            <p:cNvPr id="114" name="Google Shape;114;p15"/>
+            <p:cNvPr id="117" name="Google Shape;117;p15"/>
             <p:cNvSpPr txBox="1"/>
             <p:nvPr/>
           </p:nvSpPr>
@@ -12490,101 +12585,6 @@
         </p:sp>
         <p:pic>
           <p:nvPicPr>
-            <p:cNvPr id="115" name="Google Shape;115;p15"/>
-            <p:cNvPicPr preferRelativeResize="0"/>
-            <p:nvPr/>
-          </p:nvPicPr>
-          <p:blipFill>
-            <a:blip r:embed="rId4">
-              <a:alphaModFix/>
-            </a:blip>
-            <a:stretch>
-              <a:fillRect/>
-            </a:stretch>
-          </p:blipFill>
-          <p:spPr>
-            <a:xfrm>
-              <a:off x="3179500" y="2771699"/>
-              <a:ext cx="2575150" cy="1810649"/>
-            </a:xfrm>
-            <a:prstGeom prst="rect">
-              <a:avLst/>
-            </a:prstGeom>
-            <a:noFill/>
-            <a:ln>
-              <a:noFill/>
-            </a:ln>
-          </p:spPr>
-        </p:pic>
-      </p:grpSp>
-      <p:grpSp>
-        <p:nvGrpSpPr>
-          <p:cNvPr id="116" name="Google Shape;116;p15"/>
-          <p:cNvGrpSpPr/>
-          <p:nvPr/>
-        </p:nvGrpSpPr>
-        <p:grpSpPr>
-          <a:xfrm>
-            <a:off x="5751937" y="2924174"/>
-            <a:ext cx="3172800" cy="2071006"/>
-            <a:chOff x="5751937" y="2924174"/>
-            <a:chExt cx="3172800" cy="2071006"/>
-          </a:xfrm>
-        </p:grpSpPr>
-        <p:sp>
-          <p:nvSpPr>
-            <p:cNvPr id="117" name="Google Shape;117;p15"/>
-            <p:cNvSpPr txBox="1"/>
-            <p:nvPr/>
-          </p:nvSpPr>
-          <p:spPr>
-            <a:xfrm>
-              <a:off x="5751937" y="4636380"/>
-              <a:ext cx="3172800" cy="358800"/>
-            </a:xfrm>
-            <a:prstGeom prst="rect">
-              <a:avLst/>
-            </a:prstGeom>
-            <a:noFill/>
-            <a:ln>
-              <a:noFill/>
-            </a:ln>
-          </p:spPr>
-          <p:txBody>
-            <a:bodyPr anchorCtr="0" anchor="t" bIns="91425" lIns="91425" spcFirstLastPara="1" rIns="91425" wrap="square" tIns="91425">
-              <a:noAutofit/>
-            </a:bodyPr>
-            <a:lstStyle/>
-            <a:p>
-              <a:pPr indent="0" lvl="0" marL="0" rtl="0" algn="l">
-                <a:spcBef>
-                  <a:spcPts val="0"/>
-                </a:spcBef>
-                <a:spcAft>
-                  <a:spcPts val="0"/>
-                </a:spcAft>
-                <a:buNone/>
-              </a:pPr>
-              <a:r>
-                <a:rPr lang="fr">
-                  <a:latin typeface="Libre Franklin"/>
-                  <a:ea typeface="Libre Franklin"/>
-                  <a:cs typeface="Libre Franklin"/>
-                  <a:sym typeface="Libre Franklin"/>
-                </a:rPr>
-                <a:t>Dominican Republic, Cabritos Island</a:t>
-              </a:r>
-              <a:endParaRPr>
-                <a:latin typeface="Libre Franklin"/>
-                <a:ea typeface="Libre Franklin"/>
-                <a:cs typeface="Libre Franklin"/>
-                <a:sym typeface="Libre Franklin"/>
-              </a:endParaRPr>
-            </a:p>
-          </p:txBody>
-        </p:sp>
-        <p:pic>
-          <p:nvPicPr>
             <p:cNvPr id="118" name="Google Shape;118;p15"/>
             <p:cNvPicPr preferRelativeResize="0"/>
             <p:nvPr/>
@@ -12599,8 +12599,8 @@
           </p:blipFill>
           <p:spPr>
             <a:xfrm>
-              <a:off x="5813599" y="2924174"/>
-              <a:ext cx="3049437" cy="1712200"/>
+              <a:off x="3179500" y="2771699"/>
+              <a:ext cx="2575150" cy="1810649"/>
             </a:xfrm>
             <a:prstGeom prst="rect">
               <a:avLst/>
@@ -12671,7 +12671,11 @@
             </a:pPr>
             <a:r>
               <a:rPr b="1" lang="fr"/>
-              <a:t>Baseline &amp; Model</a:t>
+              <a:t>Baseline &amp; </a:t>
+            </a:r>
+            <a:r>
+              <a:rPr b="1" lang="fr"/>
+              <a:t>Model</a:t>
             </a:r>
             <a:endParaRPr b="1"/>
           </a:p>
@@ -12788,7 +12792,16 @@
                 <a:cs typeface="Libre Franklin"/>
                 <a:sym typeface="Libre Franklin"/>
               </a:rPr>
-              <a:t>= always predicting an empty image	</a:t>
+              <a:t>= always predicting an empty image</a:t>
+            </a:r>
+            <a:r>
+              <a:rPr lang="fr">
+                <a:latin typeface="Libre Franklin"/>
+                <a:ea typeface="Libre Franklin"/>
+                <a:cs typeface="Libre Franklin"/>
+                <a:sym typeface="Libre Franklin"/>
+              </a:rPr>
+              <a:t>	</a:t>
             </a:r>
             <a:endParaRPr>
               <a:latin typeface="Libre Franklin"/>
